--- a/images/record/OpenStack_Terraform_Practice_Kubernetes/OpenStack_Terraform_Kubernetes.pptx
+++ b/images/record/OpenStack_Terraform_Practice_Kubernetes/OpenStack_Terraform_Kubernetes.pptx
@@ -3509,7 +3509,7 @@
         </p:nvSpPr>
         <p:spPr>
           <a:xfrm>
-            <a:off x="2386312" y="3241158"/>
+            <a:off x="2386312" y="3410033"/>
             <a:ext cx="1933790" cy="1321957"/>
           </a:xfrm>
           <a:prstGeom prst="roundRect">
@@ -3553,7 +3553,7 @@
         </p:nvSpPr>
         <p:spPr>
           <a:xfrm>
-            <a:off x="2624378" y="3771025"/>
+            <a:off x="2624378" y="3939900"/>
             <a:ext cx="1457658" cy="688335"/>
           </a:xfrm>
           <a:prstGeom prst="roundRect">
@@ -3612,7 +3612,7 @@
         </p:nvSpPr>
         <p:spPr>
           <a:xfrm>
-            <a:off x="2736917" y="2383631"/>
+            <a:off x="2736917" y="2552506"/>
             <a:ext cx="1301370" cy="530476"/>
           </a:xfrm>
           <a:prstGeom prst="roundRect">
@@ -3669,7 +3669,7 @@
         </p:nvSpPr>
         <p:spPr>
           <a:xfrm>
-            <a:off x="6583295" y="2383630"/>
+            <a:off x="6583295" y="2552505"/>
             <a:ext cx="1301368" cy="530476"/>
           </a:xfrm>
           <a:prstGeom prst="roundRect">
@@ -3705,7 +3705,7 @@
             <a:pPr algn="ctr"/>
             <a:r>
               <a:rPr lang="en-US" altLang="ko-KR" sz="1100" b="1"/>
-              <a:t>Tenant Network</a:t>
+              <a:t>Internal Network</a:t>
             </a:r>
           </a:p>
           <a:p>
@@ -3736,7 +3736,7 @@
         </p:nvCxnSpPr>
         <p:spPr>
           <a:xfrm flipV="1">
-            <a:off x="3353207" y="2914107"/>
+            <a:off x="3353207" y="3082982"/>
             <a:ext cx="34395" cy="856918"/>
           </a:xfrm>
           <a:prstGeom prst="line">
@@ -3781,7 +3781,7 @@
         </p:nvCxnSpPr>
         <p:spPr>
           <a:xfrm flipH="1" flipV="1">
-            <a:off x="2462034" y="2648868"/>
+            <a:off x="2462034" y="2817743"/>
             <a:ext cx="274883" cy="1"/>
           </a:xfrm>
           <a:prstGeom prst="line">
@@ -3822,7 +3822,7 @@
         </p:nvSpPr>
         <p:spPr>
           <a:xfrm>
-            <a:off x="1352631" y="2357413"/>
+            <a:off x="1352631" y="2526288"/>
             <a:ext cx="1110328" cy="582910"/>
           </a:xfrm>
           <a:prstGeom prst="cloud">
@@ -3877,8 +3877,8 @@
         </p:nvSpPr>
         <p:spPr>
           <a:xfrm>
-            <a:off x="6592597" y="987574"/>
-            <a:ext cx="1715096" cy="1101456"/>
+            <a:off x="6717620" y="940425"/>
+            <a:ext cx="1867858" cy="1317480"/>
           </a:xfrm>
           <a:prstGeom prst="roundRect">
             <a:avLst>
@@ -3915,6 +3915,13 @@
             <a:pPr algn="ctr"/>
             <a:r>
               <a:rPr lang="en-US" altLang="ko-KR" sz="1200" b="1"/>
+              <a:t>ubuntu-18.04 Image,</a:t>
+            </a:r>
+          </a:p>
+          <a:p>
+            <a:pPr algn="ctr"/>
+            <a:r>
+              <a:rPr lang="en-US" altLang="ko-KR" sz="1200" b="1"/>
               <a:t>Standard Flavor</a:t>
             </a:r>
             <a:endParaRPr lang="en-US" altLang="ko-KR" sz="1200" b="1" dirty="0"/>
@@ -3935,7 +3942,7 @@
         </p:nvSpPr>
         <p:spPr>
           <a:xfrm>
-            <a:off x="6903677" y="1483938"/>
+            <a:off x="7105081" y="1652813"/>
             <a:ext cx="1092935" cy="504056"/>
           </a:xfrm>
           <a:prstGeom prst="roundRect">
@@ -3993,8 +4000,8 @@
         </p:nvSpPr>
         <p:spPr>
           <a:xfrm>
-            <a:off x="4742934" y="987574"/>
-            <a:ext cx="1715096" cy="1101456"/>
+            <a:off x="4730272" y="940425"/>
+            <a:ext cx="1867858" cy="1317480"/>
           </a:xfrm>
           <a:prstGeom prst="roundRect">
             <a:avLst>
@@ -4031,6 +4038,13 @@
             <a:pPr algn="ctr"/>
             <a:r>
               <a:rPr lang="en-US" altLang="ko-KR" sz="1200" b="1"/>
+              <a:t>ubuntu-18.04 Image,</a:t>
+            </a:r>
+          </a:p>
+          <a:p>
+            <a:pPr algn="ctr"/>
+            <a:r>
+              <a:rPr lang="en-US" altLang="ko-KR" sz="1200" b="1"/>
               <a:t>Standard Flavor</a:t>
             </a:r>
             <a:endParaRPr lang="en-US" altLang="ko-KR" sz="1200" b="1" dirty="0"/>
@@ -4051,7 +4065,7 @@
         </p:nvSpPr>
         <p:spPr>
           <a:xfrm>
-            <a:off x="5054014" y="1483938"/>
+            <a:off x="5117733" y="1652813"/>
             <a:ext cx="1092935" cy="504056"/>
           </a:xfrm>
           <a:prstGeom prst="roundRect">
@@ -4110,8 +4124,8 @@
         </p:nvSpPr>
         <p:spPr>
           <a:xfrm>
-            <a:off x="2893271" y="987574"/>
-            <a:ext cx="1715096" cy="1101456"/>
+            <a:off x="2742924" y="940425"/>
+            <a:ext cx="1867858" cy="1317480"/>
           </a:xfrm>
           <a:prstGeom prst="roundRect">
             <a:avLst>
@@ -4148,6 +4162,13 @@
             <a:pPr algn="ctr"/>
             <a:r>
               <a:rPr lang="en-US" altLang="ko-KR" sz="1200" b="1"/>
+              <a:t>ubuntu-18.04 Image,</a:t>
+            </a:r>
+          </a:p>
+          <a:p>
+            <a:pPr algn="ctr"/>
+            <a:r>
+              <a:rPr lang="en-US" altLang="ko-KR" sz="1200" b="1"/>
               <a:t>Standard Flavor</a:t>
             </a:r>
             <a:endParaRPr lang="en-US" altLang="ko-KR" sz="1200" b="1" dirty="0"/>
@@ -4168,7 +4189,7 @@
         </p:nvSpPr>
         <p:spPr>
           <a:xfrm>
-            <a:off x="3204351" y="1483938"/>
+            <a:off x="3130385" y="1652813"/>
             <a:ext cx="1092935" cy="504056"/>
           </a:xfrm>
           <a:prstGeom prst="roundRect">
@@ -4226,8 +4247,8 @@
         </p:nvSpPr>
         <p:spPr>
           <a:xfrm>
-            <a:off x="1043608" y="987574"/>
-            <a:ext cx="1715096" cy="1101456"/>
+            <a:off x="755576" y="940425"/>
+            <a:ext cx="1867858" cy="1317480"/>
           </a:xfrm>
           <a:prstGeom prst="roundRect">
             <a:avLst>
@@ -4257,7 +4278,21 @@
             <a:pPr algn="ctr"/>
             <a:r>
               <a:rPr lang="en-US" altLang="ko-KR" sz="1200" b="1"/>
-              <a:t>VM 01 : K8s Master, Standard Flavor</a:t>
+              <a:t>VM 01 : K8s Master,</a:t>
+            </a:r>
+          </a:p>
+          <a:p>
+            <a:pPr algn="ctr"/>
+            <a:r>
+              <a:rPr lang="en-US" altLang="ko-KR" sz="1200" b="1"/>
+              <a:t> ubuntu-18.04 Image,</a:t>
+            </a:r>
+          </a:p>
+          <a:p>
+            <a:pPr algn="ctr"/>
+            <a:r>
+              <a:rPr lang="en-US" altLang="ko-KR" sz="1200" b="1"/>
+              <a:t>Standard Flavor</a:t>
             </a:r>
             <a:endParaRPr lang="en-US" altLang="ko-KR" sz="1200" b="1" dirty="0"/>
           </a:p>
@@ -4277,7 +4312,7 @@
         </p:nvSpPr>
         <p:spPr>
           <a:xfrm>
-            <a:off x="1354688" y="1483938"/>
+            <a:off x="1143037" y="1652813"/>
             <a:ext cx="1092935" cy="504056"/>
           </a:xfrm>
           <a:prstGeom prst="roundRect">
@@ -4340,8 +4375,8 @@
         </p:nvCxnSpPr>
         <p:spPr>
           <a:xfrm>
-            <a:off x="3750819" y="1987994"/>
-            <a:ext cx="3483160" cy="395636"/>
+            <a:off x="3676853" y="2156869"/>
+            <a:ext cx="3557126" cy="395636"/>
           </a:xfrm>
           <a:prstGeom prst="line">
             <a:avLst/>
@@ -4385,8 +4420,8 @@
         </p:nvCxnSpPr>
         <p:spPr>
           <a:xfrm>
-            <a:off x="1901156" y="1987994"/>
-            <a:ext cx="5332823" cy="395636"/>
+            <a:off x="1689505" y="2156869"/>
+            <a:ext cx="5544474" cy="395636"/>
           </a:xfrm>
           <a:prstGeom prst="line">
             <a:avLst/>
@@ -4430,8 +4465,8 @@
         </p:nvCxnSpPr>
         <p:spPr>
           <a:xfrm>
-            <a:off x="5600482" y="1987994"/>
-            <a:ext cx="1633497" cy="395636"/>
+            <a:off x="5664201" y="2156869"/>
+            <a:ext cx="1569778" cy="395636"/>
           </a:xfrm>
           <a:prstGeom prst="line">
             <a:avLst/>
@@ -4475,8 +4510,8 @@
         </p:nvCxnSpPr>
         <p:spPr>
           <a:xfrm flipH="1">
-            <a:off x="7233979" y="1987994"/>
-            <a:ext cx="216166" cy="395636"/>
+            <a:off x="7233979" y="2156869"/>
+            <a:ext cx="417570" cy="395636"/>
           </a:xfrm>
           <a:prstGeom prst="line">
             <a:avLst/>
@@ -4520,7 +4555,7 @@
         </p:nvCxnSpPr>
         <p:spPr>
           <a:xfrm flipH="1">
-            <a:off x="5964208" y="2648868"/>
+            <a:off x="5964208" y="2817743"/>
             <a:ext cx="619087" cy="1"/>
           </a:xfrm>
           <a:prstGeom prst="line">
@@ -4561,7 +4596,7 @@
         </p:nvSpPr>
         <p:spPr>
           <a:xfrm>
-            <a:off x="4662841" y="2305054"/>
+            <a:off x="4662841" y="2473929"/>
             <a:ext cx="1301367" cy="687630"/>
           </a:xfrm>
           <a:prstGeom prst="roundRect">
@@ -4592,7 +4627,7 @@
             <a:pPr algn="ctr"/>
             <a:r>
               <a:rPr lang="en-US" altLang="ko-KR" sz="1100"/>
-              <a:t>External Router</a:t>
+              <a:t>external-router</a:t>
             </a:r>
           </a:p>
           <a:p>
@@ -4630,7 +4665,7 @@
         </p:nvCxnSpPr>
         <p:spPr>
           <a:xfrm flipH="1">
-            <a:off x="4038287" y="2648869"/>
+            <a:off x="4038287" y="2817744"/>
             <a:ext cx="624554" cy="0"/>
           </a:xfrm>
           <a:prstGeom prst="line">
@@ -4671,7 +4706,7 @@
         </p:nvSpPr>
         <p:spPr>
           <a:xfrm>
-            <a:off x="5230498" y="3241158"/>
+            <a:off x="5230498" y="3410033"/>
             <a:ext cx="1933790" cy="1321957"/>
           </a:xfrm>
           <a:prstGeom prst="roundRect">
@@ -4728,7 +4763,7 @@
         </p:nvSpPr>
         <p:spPr>
           <a:xfrm>
-            <a:off x="5468564" y="3771025"/>
+            <a:off x="5468564" y="3939900"/>
             <a:ext cx="1457658" cy="688335"/>
           </a:xfrm>
           <a:prstGeom prst="roundRect">
@@ -4797,7 +4832,7 @@
         </p:nvCxnSpPr>
         <p:spPr>
           <a:xfrm flipH="1" flipV="1">
-            <a:off x="3387602" y="2914107"/>
+            <a:off x="3387602" y="3082982"/>
             <a:ext cx="2809791" cy="856918"/>
           </a:xfrm>
           <a:prstGeom prst="line">

--- a/images/record/OpenStack_Terraform_Practice_Kubernetes/OpenStack_Terraform_Kubernetes.pptx
+++ b/images/record/OpenStack_Terraform_Practice_Kubernetes/OpenStack_Terraform_Kubernetes.pptx
@@ -213,7 +213,7 @@
           <a:p>
             <a:fld id="{6CD5550B-26C4-49A9-A5BA-636EF7BE6CE9}" type="datetimeFigureOut">
               <a:rPr lang="ko-KR" altLang="en-US" smtClean="0"/>
-              <a:t>2019-07-30</a:t>
+              <a:t>2019-07-31</a:t>
             </a:fld>
             <a:endParaRPr lang="ko-KR" altLang="en-US"/>
           </a:p>
@@ -743,7 +743,7 @@
           <a:p>
             <a:fld id="{FB30EDBD-1C2D-4C1E-B459-B60219FAB484}" type="datetimeFigureOut">
               <a:rPr lang="ko-KR" altLang="en-US" smtClean="0"/>
-              <a:t>2019-07-30</a:t>
+              <a:t>2019-07-31</a:t>
             </a:fld>
             <a:endParaRPr lang="ko-KR" altLang="en-US"/>
           </a:p>
@@ -906,7 +906,7 @@
           <a:p>
             <a:fld id="{FB30EDBD-1C2D-4C1E-B459-B60219FAB484}" type="datetimeFigureOut">
               <a:rPr lang="ko-KR" altLang="en-US" smtClean="0"/>
-              <a:t>2019-07-30</a:t>
+              <a:t>2019-07-31</a:t>
             </a:fld>
             <a:endParaRPr lang="ko-KR" altLang="en-US"/>
           </a:p>
@@ -1079,7 +1079,7 @@
           <a:p>
             <a:fld id="{FB30EDBD-1C2D-4C1E-B459-B60219FAB484}" type="datetimeFigureOut">
               <a:rPr lang="ko-KR" altLang="en-US" smtClean="0"/>
-              <a:t>2019-07-30</a:t>
+              <a:t>2019-07-31</a:t>
             </a:fld>
             <a:endParaRPr lang="ko-KR" altLang="en-US"/>
           </a:p>
@@ -1242,7 +1242,7 @@
           <a:p>
             <a:fld id="{FB30EDBD-1C2D-4C1E-B459-B60219FAB484}" type="datetimeFigureOut">
               <a:rPr lang="ko-KR" altLang="en-US" smtClean="0"/>
-              <a:t>2019-07-30</a:t>
+              <a:t>2019-07-31</a:t>
             </a:fld>
             <a:endParaRPr lang="ko-KR" altLang="en-US"/>
           </a:p>
@@ -1482,7 +1482,7 @@
           <a:p>
             <a:fld id="{FB30EDBD-1C2D-4C1E-B459-B60219FAB484}" type="datetimeFigureOut">
               <a:rPr lang="ko-KR" altLang="en-US" smtClean="0"/>
-              <a:t>2019-07-30</a:t>
+              <a:t>2019-07-31</a:t>
             </a:fld>
             <a:endParaRPr lang="ko-KR" altLang="en-US"/>
           </a:p>
@@ -1762,7 +1762,7 @@
           <a:p>
             <a:fld id="{FB30EDBD-1C2D-4C1E-B459-B60219FAB484}" type="datetimeFigureOut">
               <a:rPr lang="ko-KR" altLang="en-US" smtClean="0"/>
-              <a:t>2019-07-30</a:t>
+              <a:t>2019-07-31</a:t>
             </a:fld>
             <a:endParaRPr lang="ko-KR" altLang="en-US"/>
           </a:p>
@@ -2176,7 +2176,7 @@
           <a:p>
             <a:fld id="{FB30EDBD-1C2D-4C1E-B459-B60219FAB484}" type="datetimeFigureOut">
               <a:rPr lang="ko-KR" altLang="en-US" smtClean="0"/>
-              <a:t>2019-07-30</a:t>
+              <a:t>2019-07-31</a:t>
             </a:fld>
             <a:endParaRPr lang="ko-KR" altLang="en-US"/>
           </a:p>
@@ -2288,7 +2288,7 @@
           <a:p>
             <a:fld id="{FB30EDBD-1C2D-4C1E-B459-B60219FAB484}" type="datetimeFigureOut">
               <a:rPr lang="ko-KR" altLang="en-US" smtClean="0"/>
-              <a:t>2019-07-30</a:t>
+              <a:t>2019-07-31</a:t>
             </a:fld>
             <a:endParaRPr lang="ko-KR" altLang="en-US"/>
           </a:p>
@@ -2378,7 +2378,7 @@
           <a:p>
             <a:fld id="{FB30EDBD-1C2D-4C1E-B459-B60219FAB484}" type="datetimeFigureOut">
               <a:rPr lang="ko-KR" altLang="en-US" smtClean="0"/>
-              <a:t>2019-07-30</a:t>
+              <a:t>2019-07-31</a:t>
             </a:fld>
             <a:endParaRPr lang="ko-KR" altLang="en-US"/>
           </a:p>
@@ -2648,7 +2648,7 @@
           <a:p>
             <a:fld id="{FB30EDBD-1C2D-4C1E-B459-B60219FAB484}" type="datetimeFigureOut">
               <a:rPr lang="ko-KR" altLang="en-US" smtClean="0"/>
-              <a:t>2019-07-30</a:t>
+              <a:t>2019-07-31</a:t>
             </a:fld>
             <a:endParaRPr lang="ko-KR" altLang="en-US"/>
           </a:p>
@@ -2895,7 +2895,7 @@
           <a:p>
             <a:fld id="{FB30EDBD-1C2D-4C1E-B459-B60219FAB484}" type="datetimeFigureOut">
               <a:rPr lang="ko-KR" altLang="en-US" smtClean="0"/>
-              <a:t>2019-07-30</a:t>
+              <a:t>2019-07-31</a:t>
             </a:fld>
             <a:endParaRPr lang="ko-KR" altLang="en-US"/>
           </a:p>
@@ -3101,7 +3101,7 @@
           <a:p>
             <a:fld id="{FB30EDBD-1C2D-4C1E-B459-B60219FAB484}" type="datetimeFigureOut">
               <a:rPr lang="ko-KR" altLang="en-US" smtClean="0"/>
-              <a:t>2019-07-30</a:t>
+              <a:t>2019-07-31</a:t>
             </a:fld>
             <a:endParaRPr lang="ko-KR" altLang="en-US"/>
           </a:p>
@@ -3942,8 +3942,8 @@
         </p:nvSpPr>
         <p:spPr>
           <a:xfrm>
-            <a:off x="7105081" y="1652813"/>
-            <a:ext cx="1092935" cy="504056"/>
+            <a:off x="7015699" y="1652813"/>
+            <a:ext cx="1271700" cy="504056"/>
           </a:xfrm>
           <a:prstGeom prst="roundRect">
             <a:avLst>
@@ -3973,14 +3973,21 @@
             <a:pPr algn="ctr"/>
             <a:r>
               <a:rPr lang="en-US" altLang="ko-KR" sz="1100" b="1"/>
-              <a:t>eth0</a:t>
+              <a:t>ens3 </a:t>
             </a:r>
           </a:p>
           <a:p>
             <a:pPr algn="ctr"/>
             <a:r>
               <a:rPr lang="en-US" altLang="ko-KR" sz="1100" b="1"/>
-              <a:t> 30.0.0.19</a:t>
+              <a:t>30.0.0.19</a:t>
+            </a:r>
+          </a:p>
+          <a:p>
+            <a:pPr algn="ctr"/>
+            <a:r>
+              <a:rPr lang="en-US" altLang="ko-KR" sz="1100" b="1"/>
+              <a:t>192.168.0.202</a:t>
             </a:r>
             <a:endParaRPr lang="en-US" altLang="ko-KR" sz="1100" b="1" dirty="0"/>
           </a:p>
@@ -4065,8 +4072,8 @@
         </p:nvSpPr>
         <p:spPr>
           <a:xfrm>
-            <a:off x="5117733" y="1652813"/>
-            <a:ext cx="1092935" cy="504056"/>
+            <a:off x="5028351" y="1652813"/>
+            <a:ext cx="1271700" cy="504056"/>
           </a:xfrm>
           <a:prstGeom prst="roundRect">
             <a:avLst>
@@ -4096,9 +4103,8 @@
             <a:pPr algn="ctr"/>
             <a:r>
               <a:rPr lang="en-US" altLang="ko-KR" sz="1100" b="1"/>
-              <a:t>eth0</a:t>
-            </a:r>
-            <a:endParaRPr lang="en-US" altLang="ko-KR" sz="1100" b="1" dirty="0"/>
+              <a:t>ens3</a:t>
+            </a:r>
           </a:p>
           <a:p>
             <a:pPr algn="ctr"/>
@@ -4189,8 +4195,8 @@
         </p:nvSpPr>
         <p:spPr>
           <a:xfrm>
-            <a:off x="3130385" y="1652813"/>
-            <a:ext cx="1092935" cy="504056"/>
+            <a:off x="3041003" y="1652813"/>
+            <a:ext cx="1271700" cy="504056"/>
           </a:xfrm>
           <a:prstGeom prst="roundRect">
             <a:avLst>
@@ -4220,14 +4226,14 @@
             <a:pPr algn="ctr"/>
             <a:r>
               <a:rPr lang="en-US" altLang="ko-KR" sz="1100" b="1"/>
-              <a:t>eth0</a:t>
+              <a:t>ens3</a:t>
             </a:r>
           </a:p>
           <a:p>
             <a:pPr algn="ctr"/>
             <a:r>
               <a:rPr lang="en-US" altLang="ko-KR" sz="1100" b="1"/>
-              <a:t> 30.0.0.12</a:t>
+              <a:t>30.0.0.12</a:t>
             </a:r>
             <a:endParaRPr lang="en-US" altLang="ko-KR" sz="1100" b="1" dirty="0"/>
           </a:p>
@@ -4312,8 +4318,8 @@
         </p:nvSpPr>
         <p:spPr>
           <a:xfrm>
-            <a:off x="1143037" y="1652813"/>
-            <a:ext cx="1092935" cy="504056"/>
+            <a:off x="1053655" y="1652813"/>
+            <a:ext cx="1271700" cy="504056"/>
           </a:xfrm>
           <a:prstGeom prst="roundRect">
             <a:avLst>
@@ -4343,9 +4349,8 @@
             <a:pPr algn="ctr"/>
             <a:r>
               <a:rPr lang="en-US" altLang="ko-KR" sz="1100" b="1"/>
-              <a:t>eth0</a:t>
-            </a:r>
-            <a:endParaRPr lang="en-US" altLang="ko-KR" sz="1100" b="1" dirty="0"/>
+              <a:t>ens3</a:t>
+            </a:r>
           </a:p>
           <a:p>
             <a:pPr algn="ctr"/>
